--- a/images/softing-edgeconnector-siemens-architecture-diagram.pptx
+++ b/images/softing-edgeconnector-siemens-architecture-diagram.pptx
@@ -1186,7 +1186,7 @@
         <p:spPr>
           <a:xfrm>
             <a:off x="822826" y="1325526"/>
-            <a:ext cx="10783750" cy="5046921"/>
+            <a:ext cx="10783750" cy="4811927"/>
           </a:xfrm>
           <a:prstGeom prst="rect">
             <a:avLst/>
@@ -1685,10 +1685,10 @@
         </p:nvGrpSpPr>
         <p:grpSpPr>
           <a:xfrm>
-            <a:off x="9920933" y="3543551"/>
-            <a:ext cx="1651819" cy="1056001"/>
-            <a:chOff x="9958940" y="2823692"/>
-            <a:chExt cx="1651819" cy="1056001"/>
+            <a:off x="9975852" y="4502514"/>
+            <a:ext cx="1651819" cy="1086960"/>
+            <a:chOff x="9924759" y="2957843"/>
+            <a:chExt cx="1651819" cy="1086960"/>
           </a:xfrm>
         </p:grpSpPr>
         <p:sp>
@@ -1705,7 +1705,7 @@
           </p:nvSpPr>
           <p:spPr>
             <a:xfrm>
-              <a:off x="9958940" y="3602694"/>
+              <a:off x="9924759" y="3767804"/>
               <a:ext cx="1651819" cy="276999"/>
             </a:xfrm>
             <a:prstGeom prst="rect">
@@ -1759,7 +1759,7 @@
           </p:blipFill>
           <p:spPr bwMode="auto">
             <a:xfrm>
-              <a:off x="10403850" y="2823692"/>
+              <a:off x="10386135" y="2957843"/>
               <a:ext cx="762000" cy="762000"/>
             </a:xfrm>
             <a:prstGeom prst="rect">
@@ -1820,7 +1820,7 @@
         </p:blipFill>
         <p:spPr bwMode="auto">
           <a:xfrm>
-            <a:off x="5488703" y="5066932"/>
+            <a:off x="4611748" y="5025202"/>
             <a:ext cx="762000" cy="762000"/>
           </a:xfrm>
           <a:prstGeom prst="rect">
@@ -1867,8 +1867,8 @@
         </p:nvSpPr>
         <p:spPr bwMode="auto">
           <a:xfrm>
-            <a:off x="4896995" y="5822895"/>
-            <a:ext cx="2290762" cy="461665"/>
+            <a:off x="3842285" y="5824728"/>
+            <a:ext cx="2290762" cy="276999"/>
           </a:xfrm>
           <a:prstGeom prst="rect">
             <a:avLst/>
@@ -2002,13 +2002,18 @@
           <a:p>
             <a:pPr algn="ctr" eaLnBrk="1" hangingPunct="1"/>
             <a:r>
-              <a:rPr lang="en-US" altLang="en-US" sz="1200" dirty="0">
+              <a:rPr lang="en-US" altLang="en-US" sz="1200" dirty="0" smtClean="0">
                 <a:latin typeface="Arial" panose="020B0604020202020204" pitchFamily="34" charset="0"/>
                 <a:ea typeface="Amazon Ember" panose="020B0603020204020204" pitchFamily="34" charset="0"/>
                 <a:cs typeface="Arial" panose="020B0604020202020204" pitchFamily="34" charset="0"/>
               </a:rPr>
-              <a:t>Amazon Elastic Container Service (Amazon ECS)</a:t>
+              <a:t>Amazon ECS</a:t>
             </a:r>
+            <a:endParaRPr lang="en-US" altLang="en-US" sz="1200" dirty="0">
+              <a:latin typeface="Arial" panose="020B0604020202020204" pitchFamily="34" charset="0"/>
+              <a:ea typeface="Amazon Ember" panose="020B0603020204020204" pitchFamily="34" charset="0"/>
+              <a:cs typeface="Arial" panose="020B0604020202020204" pitchFamily="34" charset="0"/>
+            </a:endParaRPr>
           </a:p>
         </p:txBody>
       </p:sp>
@@ -2041,7 +2046,7 @@
         </p:blipFill>
         <p:spPr bwMode="auto">
           <a:xfrm>
-            <a:off x="3492414" y="5066932"/>
+            <a:off x="2551935" y="5026903"/>
             <a:ext cx="762000" cy="762000"/>
           </a:xfrm>
           <a:prstGeom prst="rect">
@@ -2088,8 +2093,8 @@
         </p:nvSpPr>
         <p:spPr bwMode="auto">
           <a:xfrm>
-            <a:off x="2826294" y="5806654"/>
-            <a:ext cx="2279650" cy="461665"/>
+            <a:off x="1793110" y="5823323"/>
+            <a:ext cx="2279650" cy="276999"/>
           </a:xfrm>
           <a:prstGeom prst="rect">
             <a:avLst/>
@@ -2228,8 +2233,21 @@
                 <a:ea typeface="Amazon Ember" panose="020B0603020204020204" pitchFamily="34" charset="0"/>
                 <a:cs typeface="Arial" panose="020B0604020202020204" pitchFamily="34" charset="0"/>
               </a:rPr>
-              <a:t>AWS Identity and Access Management (IAM)</a:t>
+              <a:t>AWS </a:t>
             </a:r>
+            <a:r>
+              <a:rPr lang="en-US" altLang="en-US" sz="1200" dirty="0" smtClean="0">
+                <a:latin typeface="Arial" panose="020B0604020202020204" pitchFamily="34" charset="0"/>
+                <a:ea typeface="Amazon Ember" panose="020B0603020204020204" pitchFamily="34" charset="0"/>
+                <a:cs typeface="Arial" panose="020B0604020202020204" pitchFamily="34" charset="0"/>
+              </a:rPr>
+              <a:t>IAM</a:t>
+            </a:r>
+            <a:endParaRPr lang="en-US" altLang="en-US" sz="1200" dirty="0">
+              <a:latin typeface="Arial" panose="020B0604020202020204" pitchFamily="34" charset="0"/>
+              <a:ea typeface="Amazon Ember" panose="020B0603020204020204" pitchFamily="34" charset="0"/>
+              <a:cs typeface="Arial" panose="020B0604020202020204" pitchFamily="34" charset="0"/>
+            </a:endParaRPr>
           </a:p>
         </p:txBody>
       </p:sp>
@@ -2618,227 +2636,6 @@
           </a:extLst>
         </p:spPr>
       </p:pic>
-      <p:pic>
-        <p:nvPicPr>
-          <p:cNvPr id="85" name="Graphic 5">
-            <a:extLst>
-              <a:ext uri="{FF2B5EF4-FFF2-40B4-BE49-F238E27FC236}">
-                <a16:creationId xmlns:a16="http://schemas.microsoft.com/office/drawing/2014/main" id="{38622D4A-AB16-E74E-A250-BDBAAFFAA603}"/>
-              </a:ext>
-            </a:extLst>
-          </p:cNvPr>
-          <p:cNvPicPr>
-            <a:picLocks noChangeAspect="1" noChangeArrowheads="1"/>
-          </p:cNvPicPr>
-          <p:nvPr/>
-        </p:nvPicPr>
-        <p:blipFill>
-          <a:blip r:embed="rId13">
-            <a:extLst>
-              <a:ext uri="{28A0092B-C50C-407E-A947-70E740481C1C}">
-                <a14:useLocalDpi xmlns:a14="http://schemas.microsoft.com/office/drawing/2010/main" val="0"/>
-              </a:ext>
-            </a:extLst>
-          </a:blip>
-          <a:srcRect/>
-          <a:stretch>
-            <a:fillRect/>
-          </a:stretch>
-        </p:blipFill>
-        <p:spPr bwMode="auto">
-          <a:xfrm>
-            <a:off x="1485334" y="5058588"/>
-            <a:ext cx="762000" cy="762000"/>
-          </a:xfrm>
-          <a:prstGeom prst="rect">
-            <a:avLst/>
-          </a:prstGeom>
-          <a:noFill/>
-          <a:ln>
-            <a:noFill/>
-          </a:ln>
-          <a:extLst>
-            <a:ext uri="{909E8E84-426E-40DD-AFC4-6F175D3DCCD1}">
-              <a14:hiddenFill xmlns:a14="http://schemas.microsoft.com/office/drawing/2010/main">
-                <a:solidFill>
-                  <a:srgbClr val="FFFFFF"/>
-                </a:solidFill>
-              </a14:hiddenFill>
-            </a:ext>
-            <a:ext uri="{91240B29-F687-4F45-9708-019B960494DF}">
-              <a14:hiddenLine xmlns:a14="http://schemas.microsoft.com/office/drawing/2010/main" w="9525">
-                <a:solidFill>
-                  <a:srgbClr val="000000"/>
-                </a:solidFill>
-                <a:miter lim="800000"/>
-                <a:headEnd/>
-                <a:tailEnd/>
-              </a14:hiddenLine>
-            </a:ext>
-          </a:extLst>
-        </p:spPr>
-      </p:pic>
-      <p:sp>
-        <p:nvSpPr>
-          <p:cNvPr id="86" name="TextBox 6">
-            <a:extLst>
-              <a:ext uri="{FF2B5EF4-FFF2-40B4-BE49-F238E27FC236}">
-                <a16:creationId xmlns:a16="http://schemas.microsoft.com/office/drawing/2014/main" id="{36FEB6A7-BBBF-BF4E-B09F-F70950BA7F04}"/>
-              </a:ext>
-            </a:extLst>
-          </p:cNvPr>
-          <p:cNvSpPr txBox="1">
-            <a:spLocks noChangeArrowheads="1"/>
-          </p:cNvSpPr>
-          <p:nvPr/>
-        </p:nvSpPr>
-        <p:spPr bwMode="auto">
-          <a:xfrm>
-            <a:off x="766706" y="5789894"/>
-            <a:ext cx="2268537" cy="461665"/>
-          </a:xfrm>
-          <a:prstGeom prst="rect">
-            <a:avLst/>
-          </a:prstGeom>
-          <a:noFill/>
-          <a:ln>
-            <a:noFill/>
-          </a:ln>
-          <a:extLst>
-            <a:ext uri="{909E8E84-426E-40DD-AFC4-6F175D3DCCD1}">
-              <a14:hiddenFill xmlns:a14="http://schemas.microsoft.com/office/drawing/2010/main">
-                <a:solidFill>
-                  <a:srgbClr val="FFFFFF"/>
-                </a:solidFill>
-              </a14:hiddenFill>
-            </a:ext>
-            <a:ext uri="{91240B29-F687-4F45-9708-019B960494DF}">
-              <a14:hiddenLine xmlns:a14="http://schemas.microsoft.com/office/drawing/2010/main" w="9525">
-                <a:solidFill>
-                  <a:srgbClr val="000000"/>
-                </a:solidFill>
-                <a:miter lim="800000"/>
-                <a:headEnd/>
-                <a:tailEnd/>
-              </a14:hiddenLine>
-            </a:ext>
-          </a:extLst>
-        </p:spPr>
-        <p:txBody>
-          <a:bodyPr>
-            <a:spAutoFit/>
-          </a:bodyPr>
-          <a:lstStyle>
-            <a:lvl1pPr>
-              <a:defRPr>
-                <a:solidFill>
-                  <a:schemeClr val="tx1"/>
-                </a:solidFill>
-                <a:latin typeface="Calibri" panose="020F0502020204030204" pitchFamily="34" charset="0"/>
-              </a:defRPr>
-            </a:lvl1pPr>
-            <a:lvl2pPr marL="742950" indent="-285750">
-              <a:defRPr>
-                <a:solidFill>
-                  <a:schemeClr val="tx1"/>
-                </a:solidFill>
-                <a:latin typeface="Calibri" panose="020F0502020204030204" pitchFamily="34" charset="0"/>
-              </a:defRPr>
-            </a:lvl2pPr>
-            <a:lvl3pPr marL="1143000" indent="-228600">
-              <a:defRPr>
-                <a:solidFill>
-                  <a:schemeClr val="tx1"/>
-                </a:solidFill>
-                <a:latin typeface="Calibri" panose="020F0502020204030204" pitchFamily="34" charset="0"/>
-              </a:defRPr>
-            </a:lvl3pPr>
-            <a:lvl4pPr marL="1600200" indent="-228600">
-              <a:defRPr>
-                <a:solidFill>
-                  <a:schemeClr val="tx1"/>
-                </a:solidFill>
-                <a:latin typeface="Calibri" panose="020F0502020204030204" pitchFamily="34" charset="0"/>
-              </a:defRPr>
-            </a:lvl4pPr>
-            <a:lvl5pPr marL="2057400" indent="-228600">
-              <a:defRPr>
-                <a:solidFill>
-                  <a:schemeClr val="tx1"/>
-                </a:solidFill>
-                <a:latin typeface="Calibri" panose="020F0502020204030204" pitchFamily="34" charset="0"/>
-              </a:defRPr>
-            </a:lvl5pPr>
-            <a:lvl6pPr marL="2514600" indent="-228600" eaLnBrk="0" fontAlgn="base" hangingPunct="0">
-              <a:spcBef>
-                <a:spcPct val="0"/>
-              </a:spcBef>
-              <a:spcAft>
-                <a:spcPct val="0"/>
-              </a:spcAft>
-              <a:defRPr>
-                <a:solidFill>
-                  <a:schemeClr val="tx1"/>
-                </a:solidFill>
-                <a:latin typeface="Calibri" panose="020F0502020204030204" pitchFamily="34" charset="0"/>
-              </a:defRPr>
-            </a:lvl6pPr>
-            <a:lvl7pPr marL="2971800" indent="-228600" eaLnBrk="0" fontAlgn="base" hangingPunct="0">
-              <a:spcBef>
-                <a:spcPct val="0"/>
-              </a:spcBef>
-              <a:spcAft>
-                <a:spcPct val="0"/>
-              </a:spcAft>
-              <a:defRPr>
-                <a:solidFill>
-                  <a:schemeClr val="tx1"/>
-                </a:solidFill>
-                <a:latin typeface="Calibri" panose="020F0502020204030204" pitchFamily="34" charset="0"/>
-              </a:defRPr>
-            </a:lvl7pPr>
-            <a:lvl8pPr marL="3429000" indent="-228600" eaLnBrk="0" fontAlgn="base" hangingPunct="0">
-              <a:spcBef>
-                <a:spcPct val="0"/>
-              </a:spcBef>
-              <a:spcAft>
-                <a:spcPct val="0"/>
-              </a:spcAft>
-              <a:defRPr>
-                <a:solidFill>
-                  <a:schemeClr val="tx1"/>
-                </a:solidFill>
-                <a:latin typeface="Calibri" panose="020F0502020204030204" pitchFamily="34" charset="0"/>
-              </a:defRPr>
-            </a:lvl8pPr>
-            <a:lvl9pPr marL="3886200" indent="-228600" eaLnBrk="0" fontAlgn="base" hangingPunct="0">
-              <a:spcBef>
-                <a:spcPct val="0"/>
-              </a:spcBef>
-              <a:spcAft>
-                <a:spcPct val="0"/>
-              </a:spcAft>
-              <a:defRPr>
-                <a:solidFill>
-                  <a:schemeClr val="tx1"/>
-                </a:solidFill>
-                <a:latin typeface="Calibri" panose="020F0502020204030204" pitchFamily="34" charset="0"/>
-              </a:defRPr>
-            </a:lvl9pPr>
-          </a:lstStyle>
-          <a:p>
-            <a:pPr algn="ctr" eaLnBrk="1" hangingPunct="1"/>
-            <a:r>
-              <a:rPr lang="en-US" altLang="en-US" sz="1200" dirty="0">
-                <a:latin typeface="Arial" panose="020B0604020202020204" pitchFamily="34" charset="0"/>
-                <a:ea typeface="Amazon Ember" panose="020B0603020204020204" pitchFamily="34" charset="0"/>
-                <a:cs typeface="Arial" panose="020B0604020202020204" pitchFamily="34" charset="0"/>
-              </a:rPr>
-              <a:t>Amazon Elastic Compute Cloud (Amazon EC2)</a:t>
-            </a:r>
-          </a:p>
-        </p:txBody>
-      </p:sp>
       <p:grpSp>
         <p:nvGrpSpPr>
           <p:cNvPr id="26" name="Group 25"/>
@@ -2847,10 +2644,10 @@
         </p:nvGrpSpPr>
         <p:grpSpPr>
           <a:xfrm>
-            <a:off x="9647280" y="2068716"/>
-            <a:ext cx="2243137" cy="1054019"/>
-            <a:chOff x="9663282" y="1508448"/>
-            <a:chExt cx="2243137" cy="1054019"/>
+            <a:off x="9701344" y="3034355"/>
+            <a:ext cx="2243137" cy="1070759"/>
+            <a:chOff x="9641275" y="1614528"/>
+            <a:chExt cx="2243137" cy="1070759"/>
           </a:xfrm>
         </p:grpSpPr>
         <p:pic>
@@ -2868,7 +2665,7 @@
             <p:nvPr/>
           </p:nvPicPr>
           <p:blipFill>
-            <a:blip r:embed="rId14">
+            <a:blip r:embed="rId13">
               <a:extLst>
                 <a:ext uri="{28A0092B-C50C-407E-A947-70E740481C1C}">
                   <a14:useLocalDpi xmlns:a14="http://schemas.microsoft.com/office/drawing/2010/main" val="0"/>
@@ -2882,7 +2679,7 @@
           </p:blipFill>
           <p:spPr bwMode="auto">
             <a:xfrm>
-              <a:off x="10413140" y="1508448"/>
+              <a:off x="10381843" y="1614528"/>
               <a:ext cx="762000" cy="762000"/>
             </a:xfrm>
             <a:prstGeom prst="rect">
@@ -2929,7 +2726,7 @@
           </p:nvSpPr>
           <p:spPr bwMode="auto">
             <a:xfrm>
-              <a:off x="9663282" y="2285468"/>
+              <a:off x="9641275" y="2408288"/>
               <a:ext cx="2243137" cy="276999"/>
             </a:xfrm>
             <a:prstGeom prst="rect">
@@ -3091,8 +2888,8 @@
         </p:nvSpPr>
         <p:spPr bwMode="auto">
           <a:xfrm>
-            <a:off x="8421678" y="5814893"/>
-            <a:ext cx="1809276" cy="461665"/>
+            <a:off x="7763422" y="5823323"/>
+            <a:ext cx="2148377" cy="276999"/>
           </a:xfrm>
           <a:prstGeom prst="rect">
             <a:avLst/>
@@ -3256,7 +3053,7 @@
           <p:nvPr/>
         </p:nvPicPr>
         <p:blipFill>
-          <a:blip r:embed="rId15">
+          <a:blip r:embed="rId14">
             <a:extLst>
               <a:ext uri="{28A0092B-C50C-407E-A947-70E740481C1C}">
                 <a14:useLocalDpi xmlns:a14="http://schemas.microsoft.com/office/drawing/2010/main" val="0"/>
@@ -3270,7 +3067,7 @@
         </p:blipFill>
         <p:spPr bwMode="auto">
           <a:xfrm>
-            <a:off x="8953016" y="5277833"/>
+            <a:off x="8635126" y="5167423"/>
             <a:ext cx="457200" cy="457200"/>
           </a:xfrm>
           <a:prstGeom prst="rect">
@@ -3315,7 +3112,7 @@
         </p:nvSpPr>
         <p:spPr>
           <a:xfrm>
-            <a:off x="6978808" y="5814893"/>
+            <a:off x="6128638" y="5824728"/>
             <a:ext cx="1651819" cy="276999"/>
           </a:xfrm>
           <a:prstGeom prst="rect">
@@ -3355,7 +3152,7 @@
           <p:nvPr/>
         </p:nvPicPr>
         <p:blipFill>
-          <a:blip r:embed="rId16">
+          <a:blip r:embed="rId15">
             <a:extLst>
               <a:ext uri="{28A0092B-C50C-407E-A947-70E740481C1C}">
                 <a14:useLocalDpi xmlns:a14="http://schemas.microsoft.com/office/drawing/2010/main" val="0"/>
@@ -3369,7 +3166,7 @@
         </p:blipFill>
         <p:spPr bwMode="auto">
           <a:xfrm>
-            <a:off x="7459518" y="5055753"/>
+            <a:off x="6623862" y="5026903"/>
             <a:ext cx="762000" cy="762000"/>
           </a:xfrm>
           <a:prstGeom prst="rect">
@@ -3409,7 +3206,7 @@
           <p:nvPr/>
         </p:nvPicPr>
         <p:blipFill>
-          <a:blip r:embed="rId17">
+          <a:blip r:embed="rId16">
             <a:extLst>
               <a:ext uri="{28A0092B-C50C-407E-A947-70E740481C1C}">
                 <a14:useLocalDpi xmlns:a14="http://schemas.microsoft.com/office/drawing/2010/main" val="0"/>
@@ -3517,7 +3314,7 @@
           <p:nvPr/>
         </p:nvPicPr>
         <p:blipFill>
-          <a:blip r:embed="rId18">
+          <a:blip r:embed="rId17">
             <a:extLst>
               <a:ext uri="{28A0092B-C50C-407E-A947-70E740481C1C}">
                 <a14:useLocalDpi xmlns:a14="http://schemas.microsoft.com/office/drawing/2010/main" val="0"/>
@@ -3649,7 +3446,7 @@
           <p:nvPr/>
         </p:nvPicPr>
         <p:blipFill>
-          <a:blip r:embed="rId18">
+          <a:blip r:embed="rId17">
             <a:extLst>
               <a:ext uri="{28A0092B-C50C-407E-A947-70E740481C1C}">
                 <a14:useLocalDpi xmlns:a14="http://schemas.microsoft.com/office/drawing/2010/main" val="0"/>
@@ -3710,7 +3507,7 @@
         </p:nvSpPr>
         <p:spPr bwMode="auto">
           <a:xfrm>
-            <a:off x="10022005" y="5812557"/>
+            <a:off x="10134868" y="2456627"/>
             <a:ext cx="1362074" cy="276999"/>
           </a:xfrm>
           <a:prstGeom prst="rect">
@@ -3870,7 +3667,7 @@
           <p:nvPr/>
         </p:nvPicPr>
         <p:blipFill>
-          <a:blip r:embed="rId19">
+          <a:blip r:embed="rId18">
             <a:extLst>
               <a:ext uri="{28A0092B-C50C-407E-A947-70E740481C1C}">
                 <a14:useLocalDpi xmlns:a14="http://schemas.microsoft.com/office/drawing/2010/main" val="0"/>
@@ -3884,7 +3681,7 @@
         </p:blipFill>
         <p:spPr bwMode="auto">
           <a:xfrm>
-            <a:off x="10474442" y="5289956"/>
+            <a:off x="10555414" y="1951466"/>
             <a:ext cx="457200" cy="457200"/>
           </a:xfrm>
           <a:prstGeom prst="rect">
